--- a/Lection 8.pptx
+++ b/Lection 8.pptx
@@ -793,7 +793,7 @@
           <a:p>
             <a:fld id="{23FEA57E-7C1A-457B-A4CD-5DCEB057B502}" type="datetime1">
               <a:rPr lang="en-US" smtClean="0"/>
-              <a:t>1/3/2022</a:t>
+              <a:t>1/5/2022</a:t>
             </a:fld>
             <a:endParaRPr lang="en-US" dirty="0"/>
           </a:p>
@@ -996,7 +996,7 @@
           <a:p>
             <a:fld id="{11789749-A4CD-447F-8298-2B7988C91CEA}" type="datetime1">
               <a:rPr lang="en-US" smtClean="0"/>
-              <a:t>1/3/2022</a:t>
+              <a:t>1/5/2022</a:t>
             </a:fld>
             <a:endParaRPr lang="en-US"/>
           </a:p>
@@ -1207,7 +1207,7 @@
           <a:p>
             <a:fld id="{BA0444D3-C0BA-4587-A56C-581AB9F841BE}" type="datetime1">
               <a:rPr lang="en-US" smtClean="0"/>
-              <a:t>1/3/2022</a:t>
+              <a:t>1/5/2022</a:t>
             </a:fld>
             <a:endParaRPr lang="en-US"/>
           </a:p>
@@ -1421,7 +1421,7 @@
           <a:p>
             <a:fld id="{201AF2CE-4F37-411C-A3EE-BBBE223265BF}" type="datetime1">
               <a:rPr lang="en-US" smtClean="0"/>
-              <a:t>1/3/2022</a:t>
+              <a:t>1/5/2022</a:t>
             </a:fld>
             <a:endParaRPr lang="en-US"/>
           </a:p>
@@ -1702,7 +1702,7 @@
           <a:p>
             <a:fld id="{C96083D4-708C-4BB5-B4FD-30CE9FA12FD5}" type="datetime1">
               <a:rPr lang="en-US" smtClean="0"/>
-              <a:t>1/3/2022</a:t>
+              <a:t>1/5/2022</a:t>
             </a:fld>
             <a:endParaRPr lang="en-US"/>
           </a:p>
@@ -1982,7 +1982,7 @@
           <a:p>
             <a:fld id="{D0D239B2-65BC-4C2A-A62B-3EABFE9590E4}" type="datetime1">
               <a:rPr lang="en-US" smtClean="0"/>
-              <a:t>1/3/2022</a:t>
+              <a:t>1/5/2022</a:t>
             </a:fld>
             <a:endParaRPr lang="en-US"/>
           </a:p>
@@ -2404,7 +2404,7 @@
           <a:p>
             <a:fld id="{85E05F5A-E4A3-476F-A89E-C2B73F2431E4}" type="datetime1">
               <a:rPr lang="en-US" smtClean="0"/>
-              <a:t>1/3/2022</a:t>
+              <a:t>1/5/2022</a:t>
             </a:fld>
             <a:endParaRPr lang="en-US"/>
           </a:p>
@@ -2549,7 +2549,7 @@
           <a:p>
             <a:fld id="{E3761515-4A26-4F31-9F61-5A10B1FABBFC}" type="datetime1">
               <a:rPr lang="en-US" smtClean="0"/>
-              <a:t>1/3/2022</a:t>
+              <a:t>1/5/2022</a:t>
             </a:fld>
             <a:endParaRPr lang="en-US"/>
           </a:p>
@@ -2665,7 +2665,7 @@
           <a:p>
             <a:fld id="{4A75DC65-7D1F-4BAB-9695-F7E734143E14}" type="datetime1">
               <a:rPr lang="en-US" smtClean="0"/>
-              <a:t>1/3/2022</a:t>
+              <a:t>1/5/2022</a:t>
             </a:fld>
             <a:endParaRPr lang="en-US"/>
           </a:p>
@@ -2979,7 +2979,7 @@
           <a:p>
             <a:fld id="{7E624077-BD55-4036-8E92-6558FDF3B653}" type="datetime1">
               <a:rPr lang="en-US" smtClean="0"/>
-              <a:t>1/3/2022</a:t>
+              <a:t>1/5/2022</a:t>
             </a:fld>
             <a:endParaRPr lang="en-US"/>
           </a:p>
@@ -3273,7 +3273,7 @@
           <a:p>
             <a:fld id="{804225F2-7107-4609-BCC2-77C63064A5E8}" type="datetime1">
               <a:rPr lang="en-US" smtClean="0"/>
-              <a:t>1/3/2022</a:t>
+              <a:t>1/5/2022</a:t>
             </a:fld>
             <a:endParaRPr lang="en-US"/>
           </a:p>
@@ -3521,7 +3521,7 @@
           <a:p>
             <a:fld id="{D3FE42E8-8B57-452D-A122-4DCE9AC771EF}" type="datetime1">
               <a:rPr lang="en-US" smtClean="0"/>
-              <a:t>1/3/2022</a:t>
+              <a:t>1/5/2022</a:t>
             </a:fld>
             <a:endParaRPr lang="en-US"/>
           </a:p>
@@ -4632,8 +4632,8 @@
         </p:blipFill>
         <p:spPr>
           <a:xfrm>
-            <a:off x="4533471" y="1850381"/>
-            <a:ext cx="5254377" cy="8092501"/>
+            <a:off x="3909455" y="2086895"/>
+            <a:ext cx="3206909" cy="3099302"/>
           </a:xfrm>
           <a:prstGeom prst="rect">
             <a:avLst/>
@@ -4662,8 +4662,8 @@
         </p:blipFill>
         <p:spPr>
           <a:xfrm>
-            <a:off x="2404151" y="5910734"/>
-            <a:ext cx="19020621" cy="1373644"/>
+            <a:off x="0" y="5896631"/>
+            <a:ext cx="12236521" cy="1005828"/>
           </a:xfrm>
           <a:prstGeom prst="rect">
             <a:avLst/>
@@ -4751,66 +4751,6 @@
           </a:p>
         </p:txBody>
       </p:sp>
-      <p:pic>
-        <p:nvPicPr>
-          <p:cNvPr id="6" name="Picture 5">
-            <a:extLst>
-              <a:ext uri="{FF2B5EF4-FFF2-40B4-BE49-F238E27FC236}">
-                <a16:creationId xmlns:a16="http://schemas.microsoft.com/office/drawing/2014/main" id="{C13AA024-0794-4419-B063-D6019A5E20CD}"/>
-              </a:ext>
-            </a:extLst>
-          </p:cNvPr>
-          <p:cNvPicPr>
-            <a:picLocks noChangeAspect="1"/>
-          </p:cNvPicPr>
-          <p:nvPr/>
-        </p:nvPicPr>
-        <p:blipFill>
-          <a:blip r:embed="rId4"/>
-          <a:stretch>
-            <a:fillRect/>
-          </a:stretch>
-        </p:blipFill>
-        <p:spPr>
-          <a:xfrm>
-            <a:off x="30430" y="1538486"/>
-            <a:ext cx="10136015" cy="3581900"/>
-          </a:xfrm>
-          <a:prstGeom prst="rect">
-            <a:avLst/>
-          </a:prstGeom>
-        </p:spPr>
-      </p:pic>
-      <p:pic>
-        <p:nvPicPr>
-          <p:cNvPr id="11" name="Picture 10">
-            <a:extLst>
-              <a:ext uri="{FF2B5EF4-FFF2-40B4-BE49-F238E27FC236}">
-                <a16:creationId xmlns:a16="http://schemas.microsoft.com/office/drawing/2014/main" id="{99B3D632-98E8-402F-BE7E-3B44075EACE1}"/>
-              </a:ext>
-            </a:extLst>
-          </p:cNvPr>
-          <p:cNvPicPr>
-            <a:picLocks noChangeAspect="1"/>
-          </p:cNvPicPr>
-          <p:nvPr/>
-        </p:nvPicPr>
-        <p:blipFill>
-          <a:blip r:embed="rId5"/>
-          <a:stretch>
-            <a:fillRect/>
-          </a:stretch>
-        </p:blipFill>
-        <p:spPr>
-          <a:xfrm>
-            <a:off x="192377" y="5071813"/>
-            <a:ext cx="9812119" cy="3572374"/>
-          </a:xfrm>
-          <a:prstGeom prst="rect">
-            <a:avLst/>
-          </a:prstGeom>
-        </p:spPr>
-      </p:pic>
     </p:spTree>
     <p:extLst>
       <p:ext uri="{BB962C8B-B14F-4D97-AF65-F5344CB8AC3E}">
@@ -5408,6 +5348,23 @@
               <a:rPr lang="ru-RU" dirty="0"/>
               <a:t> (3 модуля)</a:t>
             </a:r>
+            <a:r>
+              <a:rPr lang="en-US" dirty="0"/>
+              <a:t>. </a:t>
+            </a:r>
+            <a:r>
+              <a:rPr lang="ru-RU" dirty="0"/>
+              <a:t>Если не удается сделать последний пункт (</a:t>
+            </a:r>
+            <a:r>
+              <a:rPr lang="en-US" dirty="0"/>
+              <a:t>Publish)</a:t>
+            </a:r>
+            <a:r>
+              <a:rPr lang="ru-RU"/>
+              <a:t>, то не делай (может вылетать ошибка)</a:t>
+            </a:r>
+            <a:endParaRPr lang="ru-RU" dirty="0"/>
           </a:p>
           <a:p>
             <a:r>
